--- a/JavaLectureII01.pptx
+++ b/JavaLectureII01.pptx
@@ -119,7 +119,7 @@
   </p:defaultTextStyle>
   <p:extLst>
     <p:ext uri="{EFAFB233-063F-42B5-8137-9DF3F51BA10A}">
-      <p15:sldGuideLst xmlns:p15="http://schemas.microsoft.com/office/powerpoint/2012/main">
+      <p15:sldGuideLst xmlns:p15="http://schemas.microsoft.com/office/powerpoint/2012/main" xmlns="">
         <p15:guide id="1" orient="horz" pos="2160">
           <p15:clr>
             <a:srgbClr val="A4A3A4"/>
@@ -218,7 +218,7 @@
           <a:p>
             <a:fld id="{AC5F06C3-E7C8-498A-89C5-9286ECE71576}" type="datetimeFigureOut">
               <a:rPr kumimoji="1" lang="ja-JP" altLang="en-US" smtClean="0"/>
-              <a:t>2015/9/20</a:t>
+              <a:t>2015/9/23</a:t>
             </a:fld>
             <a:endParaRPr kumimoji="1" lang="ja-JP" altLang="en-US"/>
           </a:p>
@@ -383,7 +383,7 @@
           <a:p>
             <a:fld id="{A6B16F19-1A46-4340-B083-8AF4EF5495E7}" type="datetimeFigureOut">
               <a:rPr kumimoji="1" lang="ja-JP" altLang="en-US" smtClean="0"/>
-              <a:t>2015/9/20</a:t>
+              <a:t>2015/9/23</a:t>
             </a:fld>
             <a:endParaRPr kumimoji="1" lang="ja-JP" altLang="en-US"/>
           </a:p>
@@ -948,7 +948,7 @@
           <a:p>
             <a:fld id="{2E2CD242-CFB1-4629-B9D4-B1D5F0A2C874}" type="datetime1">
               <a:rPr kumimoji="1" lang="ja-JP" altLang="en-US" smtClean="0"/>
-              <a:t>2015/9/20</a:t>
+              <a:t>2015/9/23</a:t>
             </a:fld>
             <a:endParaRPr kumimoji="1" lang="ja-JP" altLang="en-US"/>
           </a:p>
@@ -1150,7 +1150,7 @@
           <a:p>
             <a:fld id="{E5770587-1CDB-434F-A518-69CA14698D6E}" type="datetime1">
               <a:rPr kumimoji="1" lang="ja-JP" altLang="en-US" smtClean="0"/>
-              <a:t>2015/9/20</a:t>
+              <a:t>2015/9/23</a:t>
             </a:fld>
             <a:endParaRPr kumimoji="1" lang="ja-JP" altLang="en-US"/>
           </a:p>
@@ -1362,7 +1362,7 @@
           <a:p>
             <a:fld id="{B6B1D5AF-0AB6-4983-876B-A0E2883B11D7}" type="datetime1">
               <a:rPr kumimoji="1" lang="ja-JP" altLang="en-US" smtClean="0"/>
-              <a:t>2015/9/20</a:t>
+              <a:t>2015/9/23</a:t>
             </a:fld>
             <a:endParaRPr kumimoji="1" lang="ja-JP" altLang="en-US"/>
           </a:p>
@@ -1564,7 +1564,7 @@
           <a:p>
             <a:fld id="{8B198F46-7472-485B-9FFA-896ED9C32220}" type="datetime1">
               <a:rPr kumimoji="1" lang="ja-JP" altLang="en-US" smtClean="0"/>
-              <a:t>2015/9/20</a:t>
+              <a:t>2015/9/23</a:t>
             </a:fld>
             <a:endParaRPr kumimoji="1" lang="ja-JP" altLang="en-US"/>
           </a:p>
@@ -1810,7 +1810,7 @@
           <a:p>
             <a:fld id="{08C04A66-1CF7-4931-8F8A-F64D57C5E2D9}" type="datetime1">
               <a:rPr kumimoji="1" lang="ja-JP" altLang="en-US" smtClean="0"/>
-              <a:t>2015/9/20</a:t>
+              <a:t>2015/9/23</a:t>
             </a:fld>
             <a:endParaRPr kumimoji="1" lang="ja-JP" altLang="en-US"/>
           </a:p>
@@ -2162,7 +2162,7 @@
           <a:p>
             <a:fld id="{F535ABBD-5062-4ED0-87AA-AEE314191599}" type="datetime1">
               <a:rPr kumimoji="1" lang="ja-JP" altLang="en-US" smtClean="0"/>
-              <a:t>2015/9/20</a:t>
+              <a:t>2015/9/23</a:t>
             </a:fld>
             <a:endParaRPr kumimoji="1" lang="ja-JP" altLang="en-US"/>
           </a:p>
@@ -2648,7 +2648,7 @@
           <a:p>
             <a:fld id="{4CECF651-9F18-4AAC-BB45-A1AFA9113C49}" type="datetime1">
               <a:rPr kumimoji="1" lang="ja-JP" altLang="en-US" smtClean="0"/>
-              <a:t>2015/9/20</a:t>
+              <a:t>2015/9/23</a:t>
             </a:fld>
             <a:endParaRPr kumimoji="1" lang="ja-JP" altLang="en-US"/>
           </a:p>
@@ -2766,7 +2766,7 @@
           <a:p>
             <a:fld id="{0D36B2A7-AB68-44E8-8CC5-A551756D15C2}" type="datetime1">
               <a:rPr kumimoji="1" lang="ja-JP" altLang="en-US" smtClean="0"/>
-              <a:t>2015/9/20</a:t>
+              <a:t>2015/9/23</a:t>
             </a:fld>
             <a:endParaRPr kumimoji="1" lang="ja-JP" altLang="en-US"/>
           </a:p>
@@ -2861,7 +2861,7 @@
           <a:p>
             <a:fld id="{0AAB157B-B84C-4B89-811F-19CA9337B545}" type="datetime1">
               <a:rPr kumimoji="1" lang="ja-JP" altLang="en-US" smtClean="0"/>
-              <a:t>2015/9/20</a:t>
+              <a:t>2015/9/23</a:t>
             </a:fld>
             <a:endParaRPr kumimoji="1" lang="ja-JP" altLang="en-US"/>
           </a:p>
@@ -3170,7 +3170,7 @@
           <a:p>
             <a:fld id="{3D713962-1690-4FC6-9F13-F2032AFE5182}" type="datetime1">
               <a:rPr kumimoji="1" lang="ja-JP" altLang="en-US" smtClean="0"/>
-              <a:t>2015/9/20</a:t>
+              <a:t>2015/9/23</a:t>
             </a:fld>
             <a:endParaRPr kumimoji="1" lang="ja-JP" altLang="en-US"/>
           </a:p>
@@ -3423,7 +3423,7 @@
           <a:p>
             <a:fld id="{94B4F463-B68D-4782-89EE-48EC02F4C751}" type="datetime1">
               <a:rPr kumimoji="1" lang="ja-JP" altLang="en-US" smtClean="0"/>
-              <a:t>2015/9/20</a:t>
+              <a:t>2015/9/23</a:t>
             </a:fld>
             <a:endParaRPr kumimoji="1" lang="ja-JP" altLang="en-US"/>
           </a:p>
@@ -3668,7 +3668,7 @@
           <a:p>
             <a:fld id="{E5889E23-3D70-4500-A37C-0F65BBE2652B}" type="datetime1">
               <a:rPr kumimoji="1" lang="ja-JP" altLang="en-US" smtClean="0"/>
-              <a:t>2015/9/20</a:t>
+              <a:t>2015/9/23</a:t>
             </a:fld>
             <a:endParaRPr kumimoji="1" lang="ja-JP" altLang="en-US"/>
           </a:p>
@@ -4060,8 +4060,12 @@
           <a:lstStyle/>
           <a:p>
             <a:r>
-              <a:rPr kumimoji="1" lang="ja-JP" altLang="en-US" dirty="0" smtClean="0"/>
-              <a:t>プログラミング言語</a:t>
+              <a:rPr lang="ja-JP" altLang="en-US" dirty="0" smtClean="0"/>
+              <a:t>デザイン</a:t>
+            </a:r>
+            <a:r>
+              <a:rPr lang="ja-JP" altLang="en-US" dirty="0"/>
+              <a:t>ワークショップ</a:t>
             </a:r>
             <a:r>
               <a:rPr kumimoji="1" lang="en-US" altLang="ja-JP" dirty="0" smtClean="0"/>
@@ -4094,6 +4098,22 @@
           </a:p>
           <a:p>
             <a:r>
+              <a:rPr lang="en-US" altLang="ja-JP" dirty="0" smtClean="0"/>
+              <a:t>PC</a:t>
+            </a:r>
+            <a:r>
+              <a:rPr lang="ja-JP" altLang="en-US" dirty="0" smtClean="0"/>
+              <a:t>を起動して</a:t>
+            </a:r>
+            <a:r>
+              <a:rPr lang="ja-JP" altLang="en-US" dirty="0" smtClean="0"/>
+              <a:t>ください</a:t>
+            </a:r>
+            <a:r>
+              <a:rPr lang="en-US" altLang="ja-JP" dirty="0" smtClean="0"/>
+              <a:t>(</a:t>
+            </a:r>
+            <a:r>
               <a:rPr lang="ja-JP" altLang="en-US" dirty="0" smtClean="0"/>
               <a:t>机の中の</a:t>
             </a:r>
@@ -4103,18 +4123,18 @@
             </a:r>
             <a:r>
               <a:rPr lang="ja-JP" altLang="en-US" dirty="0" smtClean="0"/>
-              <a:t>を起動してください。</a:t>
+              <a:t>でも可</a:t>
+            </a:r>
+            <a:r>
+              <a:rPr lang="en-US" altLang="ja-JP" smtClean="0"/>
+              <a:t>)</a:t>
             </a:r>
             <a:endParaRPr lang="en-US" altLang="ja-JP" dirty="0" smtClean="0"/>
           </a:p>
           <a:p>
             <a:r>
               <a:rPr lang="ja-JP" altLang="en-US" dirty="0" smtClean="0"/>
-              <a:t>以下</a:t>
-            </a:r>
-            <a:r>
-              <a:rPr lang="ja-JP" altLang="en-US" dirty="0" smtClean="0"/>
-              <a:t>のページを開いてください。</a:t>
+              <a:t>以下のページを開いてください。</a:t>
             </a:r>
             <a:endParaRPr lang="en-US" altLang="ja-JP" dirty="0" smtClean="0"/>
           </a:p>
@@ -4558,11 +4578,7 @@
           <a:p>
             <a:r>
               <a:rPr kumimoji="1" lang="ja-JP" altLang="en-US" dirty="0" smtClean="0"/>
-              <a:t>開発環境</a:t>
-            </a:r>
-            <a:r>
-              <a:rPr kumimoji="1" lang="ja-JP" altLang="en-US" dirty="0" smtClean="0"/>
-              <a:t>の準備</a:t>
+              <a:t>開発環境の準備</a:t>
             </a:r>
             <a:endParaRPr lang="en-US" altLang="ja-JP" dirty="0"/>
           </a:p>
@@ -6322,7 +6338,7 @@
   <a:extraClrSchemeLst/>
   <a:extLst>
     <a:ext uri="{05A4C25C-085E-4340-85A3-A5531E510DB2}">
-      <thm15:themeFamily xmlns:thm15="http://schemas.microsoft.com/office/thememl/2012/main" name="Office Theme" id="{62F939B6-93AF-4DB8-9C6B-D6C7DFDC589F}" vid="{4A3C46E8-61CC-4603-A589-7422A47A8E4A}"/>
+      <thm15:themeFamily xmlns:thm15="http://schemas.microsoft.com/office/thememl/2012/main" xmlns="" name="Office Theme" id="{62F939B6-93AF-4DB8-9C6B-D6C7DFDC589F}" vid="{4A3C46E8-61CC-4603-A589-7422A47A8E4A}"/>
     </a:ext>
   </a:extLst>
 </a:theme>

--- a/JavaLectureII01.pptx
+++ b/JavaLectureII01.pptx
@@ -119,7 +119,7 @@
   </p:defaultTextStyle>
   <p:extLst>
     <p:ext uri="{EFAFB233-063F-42B5-8137-9DF3F51BA10A}">
-      <p15:sldGuideLst xmlns:p15="http://schemas.microsoft.com/office/powerpoint/2012/main" xmlns="">
+      <p15:sldGuideLst xmlns="" xmlns:p15="http://schemas.microsoft.com/office/powerpoint/2012/main">
         <p15:guide id="1" orient="horz" pos="2160">
           <p15:clr>
             <a:srgbClr val="A4A3A4"/>
@@ -4087,7 +4087,9 @@
         </p:nvSpPr>
         <p:spPr/>
         <p:txBody>
-          <a:bodyPr/>
+          <a:bodyPr>
+            <a:normAutofit/>
+          </a:bodyPr>
           <a:lstStyle/>
           <a:p>
             <a:r>
@@ -4103,11 +4105,7 @@
             </a:r>
             <a:r>
               <a:rPr lang="ja-JP" altLang="en-US" dirty="0" smtClean="0"/>
-              <a:t>を起動して</a:t>
-            </a:r>
-            <a:r>
-              <a:rPr lang="ja-JP" altLang="en-US" dirty="0" smtClean="0"/>
-              <a:t>ください</a:t>
+              <a:t>を起動してください</a:t>
             </a:r>
             <a:r>
               <a:rPr lang="en-US" altLang="ja-JP" dirty="0" smtClean="0"/>
@@ -4126,10 +4124,9 @@
               <a:t>でも可</a:t>
             </a:r>
             <a:r>
-              <a:rPr lang="en-US" altLang="ja-JP" smtClean="0"/>
+              <a:rPr lang="en-US" altLang="ja-JP" dirty="0" smtClean="0"/>
               <a:t>)</a:t>
             </a:r>
-            <a:endParaRPr lang="en-US" altLang="ja-JP" dirty="0" smtClean="0"/>
           </a:p>
           <a:p>
             <a:r>
@@ -4143,15 +4140,77 @@
               <a:buNone/>
             </a:pPr>
             <a:r>
-              <a:rPr lang="en-US" altLang="ja-JP" sz="4950" dirty="0"/>
-              <a:t>http://edu.amdv.net/java</a:t>
-            </a:r>
+              <a:rPr lang="en-US" altLang="ja-JP" sz="4950" dirty="0">
+                <a:hlinkClick r:id="rId3"/>
+              </a:rPr>
+              <a:t>http://</a:t>
+            </a:r>
+            <a:r>
+              <a:rPr lang="en-US" altLang="ja-JP" sz="4950" dirty="0" smtClean="0">
+                <a:hlinkClick r:id="rId3"/>
+              </a:rPr>
+              <a:t>edu.amdv.net/java</a:t>
+            </a:r>
+            <a:endParaRPr lang="en-US" altLang="ja-JP" sz="4950" dirty="0" smtClean="0"/>
           </a:p>
           <a:p>
             <a:pPr marL="0" indent="0">
               <a:buNone/>
             </a:pPr>
-            <a:endParaRPr lang="en-US" altLang="ja-JP" dirty="0"/>
+            <a:r>
+              <a:rPr lang="en-US" altLang="ja-JP" sz="4950" dirty="0" smtClean="0"/>
+              <a:t>paiza.io</a:t>
+            </a:r>
+          </a:p>
+          <a:p>
+            <a:pPr marL="0" indent="0">
+              <a:buNone/>
+            </a:pPr>
+            <a:r>
+              <a:rPr lang="en-US" altLang="ja-JP" sz="3600" dirty="0" err="1">
+                <a:latin typeface="Consolas" panose="020B0609020204030204" pitchFamily="49" charset="0"/>
+                <a:cs typeface="Consolas" panose="020B0609020204030204" pitchFamily="49" charset="0"/>
+              </a:rPr>
+              <a:t>System.out.println</a:t>
+            </a:r>
+            <a:r>
+              <a:rPr lang="en-US" altLang="ja-JP" sz="3600" dirty="0" smtClean="0">
+                <a:latin typeface="Consolas" panose="020B0609020204030204" pitchFamily="49" charset="0"/>
+                <a:cs typeface="Consolas" panose="020B0609020204030204" pitchFamily="49" charset="0"/>
+              </a:rPr>
+              <a:t>(“</a:t>
+            </a:r>
+            <a:r>
+              <a:rPr lang="ja-JP" altLang="en-US" sz="3600" dirty="0" smtClean="0">
+                <a:latin typeface="Consolas" panose="020B0609020204030204" pitchFamily="49" charset="0"/>
+                <a:cs typeface="Consolas" panose="020B0609020204030204" pitchFamily="49" charset="0"/>
+              </a:rPr>
+              <a:t>入力</a:t>
+            </a:r>
+            <a:r>
+              <a:rPr lang="en-US" altLang="ja-JP" sz="3600" dirty="0" smtClean="0">
+                <a:latin typeface="Consolas" panose="020B0609020204030204" pitchFamily="49" charset="0"/>
+                <a:cs typeface="Consolas" panose="020B0609020204030204" pitchFamily="49" charset="0"/>
+              </a:rPr>
+              <a:t>”+line</a:t>
+            </a:r>
+            <a:r>
+              <a:rPr lang="en-US" altLang="ja-JP" sz="3600" dirty="0">
+                <a:latin typeface="Consolas" panose="020B0609020204030204" pitchFamily="49" charset="0"/>
+                <a:cs typeface="Consolas" panose="020B0609020204030204" pitchFamily="49" charset="0"/>
+              </a:rPr>
+              <a:t>);</a:t>
+            </a:r>
+            <a:endParaRPr lang="en-US" altLang="ja-JP" sz="3600" dirty="0">
+              <a:latin typeface="Consolas" panose="020B0609020204030204" pitchFamily="49" charset="0"/>
+              <a:cs typeface="Consolas" panose="020B0609020204030204" pitchFamily="49" charset="0"/>
+            </a:endParaRPr>
+          </a:p>
+          <a:p>
+            <a:pPr marL="0" indent="0">
+              <a:buNone/>
+            </a:pPr>
+            <a:endParaRPr lang="en-US" altLang="ja-JP" sz="2000" dirty="0"/>
           </a:p>
           <a:p>
             <a:pPr marL="0" indent="0">
@@ -6338,7 +6397,7 @@
   <a:extraClrSchemeLst/>
   <a:extLst>
     <a:ext uri="{05A4C25C-085E-4340-85A3-A5531E510DB2}">
-      <thm15:themeFamily xmlns:thm15="http://schemas.microsoft.com/office/thememl/2012/main" xmlns="" name="Office Theme" id="{62F939B6-93AF-4DB8-9C6B-D6C7DFDC589F}" vid="{4A3C46E8-61CC-4603-A589-7422A47A8E4A}"/>
+      <thm15:themeFamily xmlns="" xmlns:thm15="http://schemas.microsoft.com/office/thememl/2012/main" name="Office Theme" id="{62F939B6-93AF-4DB8-9C6B-D6C7DFDC589F}" vid="{4A3C46E8-61CC-4603-A589-7422A47A8E4A}"/>
     </a:ext>
   </a:extLst>
 </a:theme>
